--- a/ppts/Week9f Word2Vec.pptx
+++ b/ppts/Week9f Word2Vec.pptx
@@ -126,7 +126,7 @@
   </p:defaultTextStyle>
   <p:extLst>
     <p:ext uri="{EFAFB233-063F-42B5-8137-9DF3F51BA10A}">
-      <p15:sldGuideLst xmlns:p15="http://schemas.microsoft.com/office/powerpoint/2012/main">
+      <p15:sldGuideLst xmlns:p15="http://schemas.microsoft.com/office/powerpoint/2012/main" xmlns="">
         <p15:guide id="1" orient="horz" pos="2160">
           <p15:clr>
             <a:srgbClr val="A4A3A4"/>
@@ -226,7 +226,7 @@
             <a:fld id="{E9CA654E-EBD9-4CE9-AAD0-9BCA047E2E1D}" type="datetimeFigureOut">
               <a:rPr lang="ko-KR" altLang="en-US" smtClean="0"/>
               <a:pPr/>
-              <a:t>2016. 9. 3.</a:t>
+              <a:t>17. 4. 15.</a:t>
             </a:fld>
             <a:endParaRPr lang="ko-KR" altLang="en-US"/>
           </a:p>
@@ -497,6 +497,321 @@
 </p:notesMaster>
 </file>
 
+<file path=ppt/notesSlides/notesSlide1.xml><?xml version="1.0" encoding="utf-8"?>
+<p:notes xmlns:a="http://schemas.openxmlformats.org/drawingml/2006/main" xmlns:r="http://schemas.openxmlformats.org/officeDocument/2006/relationships" xmlns:p="http://schemas.openxmlformats.org/presentationml/2006/main">
+  <p:cSld>
+    <p:spTree>
+      <p:nvGrpSpPr>
+        <p:cNvPr id="1" name=""/>
+        <p:cNvGrpSpPr/>
+        <p:nvPr/>
+      </p:nvGrpSpPr>
+      <p:grpSpPr>
+        <a:xfrm>
+          <a:off x="0" y="0"/>
+          <a:ext cx="0" cy="0"/>
+          <a:chOff x="0" y="0"/>
+          <a:chExt cx="0" cy="0"/>
+        </a:xfrm>
+      </p:grpSpPr>
+      <p:sp>
+        <p:nvSpPr>
+          <p:cNvPr id="2" name="Slide Image Placeholder 1"/>
+          <p:cNvSpPr>
+            <a:spLocks noGrp="1" noRot="1" noChangeAspect="1"/>
+          </p:cNvSpPr>
+          <p:nvPr>
+            <p:ph type="sldImg"/>
+          </p:nvPr>
+        </p:nvSpPr>
+        <p:spPr/>
+      </p:sp>
+      <p:sp>
+        <p:nvSpPr>
+          <p:cNvPr id="3" name="Notes Placeholder 2"/>
+          <p:cNvSpPr>
+            <a:spLocks noGrp="1"/>
+          </p:cNvSpPr>
+          <p:nvPr>
+            <p:ph type="body" idx="1"/>
+          </p:nvPr>
+        </p:nvSpPr>
+        <p:spPr/>
+        <p:txBody>
+          <a:bodyPr/>
+          <a:lstStyle/>
+          <a:p>
+            <a:r>
+              <a:rPr lang="ko-KR" altLang="en-US" dirty="0" smtClean="0"/>
+              <a:t>의미를 보존하는 것에는 적합하지 않음</a:t>
+            </a:r>
+            <a:r>
+              <a:rPr lang="en-US" altLang="ko-KR" dirty="0" smtClean="0"/>
+              <a:t>.</a:t>
+            </a:r>
+            <a:r>
+              <a:rPr lang="ko-KR" altLang="en-US" dirty="0" smtClean="0"/>
+              <a:t> 대체했을 때 어색하지 않은 단어를 찾는 것으로 볼 수 있다</a:t>
+            </a:r>
+            <a:r>
+              <a:rPr lang="en-US" altLang="ko-KR" dirty="0" smtClean="0"/>
+              <a:t>.</a:t>
+            </a:r>
+            <a:r>
+              <a:rPr lang="ko-KR" altLang="en-US" dirty="0" smtClean="0"/>
+              <a:t> </a:t>
+            </a:r>
+            <a:r>
+              <a:rPr lang="en-US" altLang="ko-KR" dirty="0" smtClean="0"/>
+              <a:t>=&gt;</a:t>
+            </a:r>
+            <a:r>
+              <a:rPr lang="ko-KR" altLang="en-US" dirty="0" smtClean="0"/>
+              <a:t> 대체재를 찾는데 사용할 수 있을듯</a:t>
+            </a:r>
+            <a:r>
+              <a:rPr lang="en-US" altLang="ko-KR" smtClean="0"/>
+              <a:t>.</a:t>
+            </a:r>
+            <a:endParaRPr lang="en-US" altLang="ko-KR" dirty="0" smtClean="0"/>
+          </a:p>
+        </p:txBody>
+      </p:sp>
+      <p:sp>
+        <p:nvSpPr>
+          <p:cNvPr id="4" name="Slide Number Placeholder 3"/>
+          <p:cNvSpPr>
+            <a:spLocks noGrp="1"/>
+          </p:cNvSpPr>
+          <p:nvPr>
+            <p:ph type="sldNum" sz="quarter" idx="10"/>
+          </p:nvPr>
+        </p:nvSpPr>
+        <p:spPr/>
+        <p:txBody>
+          <a:bodyPr/>
+          <a:lstStyle/>
+          <a:p>
+            <a:fld id="{3C7970E3-E969-4B5B-B387-9B817F0C226C}" type="slidenum">
+              <a:rPr lang="ko-KR" altLang="en-US" smtClean="0"/>
+              <a:pPr/>
+              <a:t>1</a:t>
+            </a:fld>
+            <a:endParaRPr lang="ko-KR" altLang="en-US"/>
+          </a:p>
+        </p:txBody>
+      </p:sp>
+    </p:spTree>
+    <p:extLst>
+      <p:ext uri="{BB962C8B-B14F-4D97-AF65-F5344CB8AC3E}">
+        <p14:creationId xmlns:p14="http://schemas.microsoft.com/office/powerpoint/2010/main" val="3645372044"/>
+      </p:ext>
+    </p:extLst>
+  </p:cSld>
+  <p:clrMapOvr>
+    <a:masterClrMapping/>
+  </p:clrMapOvr>
+</p:notes>
+</file>
+
+<file path=ppt/notesSlides/notesSlide2.xml><?xml version="1.0" encoding="utf-8"?>
+<p:notes xmlns:a="http://schemas.openxmlformats.org/drawingml/2006/main" xmlns:r="http://schemas.openxmlformats.org/officeDocument/2006/relationships" xmlns:p="http://schemas.openxmlformats.org/presentationml/2006/main">
+  <p:cSld>
+    <p:spTree>
+      <p:nvGrpSpPr>
+        <p:cNvPr id="1" name=""/>
+        <p:cNvGrpSpPr/>
+        <p:nvPr/>
+      </p:nvGrpSpPr>
+      <p:grpSpPr>
+        <a:xfrm>
+          <a:off x="0" y="0"/>
+          <a:ext cx="0" cy="0"/>
+          <a:chOff x="0" y="0"/>
+          <a:chExt cx="0" cy="0"/>
+        </a:xfrm>
+      </p:grpSpPr>
+      <p:sp>
+        <p:nvSpPr>
+          <p:cNvPr id="2" name="Slide Image Placeholder 1"/>
+          <p:cNvSpPr>
+            <a:spLocks noGrp="1" noRot="1" noChangeAspect="1"/>
+          </p:cNvSpPr>
+          <p:nvPr>
+            <p:ph type="sldImg"/>
+          </p:nvPr>
+        </p:nvSpPr>
+        <p:spPr/>
+      </p:sp>
+      <p:sp>
+        <p:nvSpPr>
+          <p:cNvPr id="3" name="Notes Placeholder 2"/>
+          <p:cNvSpPr>
+            <a:spLocks noGrp="1"/>
+          </p:cNvSpPr>
+          <p:nvPr>
+            <p:ph type="body" idx="1"/>
+          </p:nvPr>
+        </p:nvSpPr>
+        <p:spPr/>
+        <p:txBody>
+          <a:bodyPr/>
+          <a:lstStyle/>
+          <a:p>
+            <a:endParaRPr lang="en-US" dirty="0"/>
+          </a:p>
+        </p:txBody>
+      </p:sp>
+      <p:sp>
+        <p:nvSpPr>
+          <p:cNvPr id="4" name="Slide Number Placeholder 3"/>
+          <p:cNvSpPr>
+            <a:spLocks noGrp="1"/>
+          </p:cNvSpPr>
+          <p:nvPr>
+            <p:ph type="sldNum" sz="quarter" idx="10"/>
+          </p:nvPr>
+        </p:nvSpPr>
+        <p:spPr/>
+        <p:txBody>
+          <a:bodyPr/>
+          <a:lstStyle/>
+          <a:p>
+            <a:fld id="{3C7970E3-E969-4B5B-B387-9B817F0C226C}" type="slidenum">
+              <a:rPr lang="ko-KR" altLang="en-US" smtClean="0"/>
+              <a:pPr/>
+              <a:t>8</a:t>
+            </a:fld>
+            <a:endParaRPr lang="ko-KR" altLang="en-US"/>
+          </a:p>
+        </p:txBody>
+      </p:sp>
+    </p:spTree>
+    <p:extLst>
+      <p:ext uri="{BB962C8B-B14F-4D97-AF65-F5344CB8AC3E}">
+        <p14:creationId xmlns:p14="http://schemas.microsoft.com/office/powerpoint/2010/main" val="1783839677"/>
+      </p:ext>
+    </p:extLst>
+  </p:cSld>
+  <p:clrMapOvr>
+    <a:masterClrMapping/>
+  </p:clrMapOvr>
+</p:notes>
+</file>
+
+<file path=ppt/notesSlides/notesSlide3.xml><?xml version="1.0" encoding="utf-8"?>
+<p:notes xmlns:a="http://schemas.openxmlformats.org/drawingml/2006/main" xmlns:r="http://schemas.openxmlformats.org/officeDocument/2006/relationships" xmlns:p="http://schemas.openxmlformats.org/presentationml/2006/main">
+  <p:cSld>
+    <p:spTree>
+      <p:nvGrpSpPr>
+        <p:cNvPr id="1" name=""/>
+        <p:cNvGrpSpPr/>
+        <p:nvPr/>
+      </p:nvGrpSpPr>
+      <p:grpSpPr>
+        <a:xfrm>
+          <a:off x="0" y="0"/>
+          <a:ext cx="0" cy="0"/>
+          <a:chOff x="0" y="0"/>
+          <a:chExt cx="0" cy="0"/>
+        </a:xfrm>
+      </p:grpSpPr>
+      <p:sp>
+        <p:nvSpPr>
+          <p:cNvPr id="2" name="Slide Image Placeholder 1"/>
+          <p:cNvSpPr>
+            <a:spLocks noGrp="1" noRot="1" noChangeAspect="1"/>
+          </p:cNvSpPr>
+          <p:nvPr>
+            <p:ph type="sldImg"/>
+          </p:nvPr>
+        </p:nvSpPr>
+        <p:spPr/>
+      </p:sp>
+      <p:sp>
+        <p:nvSpPr>
+          <p:cNvPr id="3" name="Notes Placeholder 2"/>
+          <p:cNvSpPr>
+            <a:spLocks noGrp="1"/>
+          </p:cNvSpPr>
+          <p:nvPr>
+            <p:ph type="body" idx="1"/>
+          </p:nvPr>
+        </p:nvSpPr>
+        <p:spPr/>
+        <p:txBody>
+          <a:bodyPr/>
+          <a:lstStyle/>
+          <a:p>
+            <a:r>
+              <a:rPr lang="en-US" dirty="0" err="1" smtClean="0"/>
+              <a:t>nce_loss</a:t>
+            </a:r>
+            <a:r>
+              <a:rPr lang="en-US" dirty="0" smtClean="0"/>
+              <a:t> : summation</a:t>
+            </a:r>
+            <a:r>
+              <a:rPr lang="ko-KR" altLang="en-US" dirty="0" smtClean="0"/>
+              <a:t> </a:t>
+            </a:r>
+            <a:r>
+              <a:rPr lang="en-US" altLang="ko-KR" dirty="0" smtClean="0"/>
+              <a:t>of</a:t>
+            </a:r>
+            <a:r>
+              <a:rPr lang="en-US" altLang="ko-KR" baseline="0" dirty="0" smtClean="0"/>
+              <a:t> </a:t>
+            </a:r>
+            <a:r>
+              <a:rPr lang="en-US" altLang="ko-KR" baseline="0" dirty="0" err="1" smtClean="0"/>
+              <a:t>exp</a:t>
+            </a:r>
+            <a:r>
+              <a:rPr lang="ko-KR" altLang="en-US" baseline="0" dirty="0" smtClean="0"/>
+              <a:t> 할 때 모든 단어가 아니라 몇 개의 단어로 근사해서 계산하는 방법</a:t>
+            </a:r>
+            <a:endParaRPr lang="en-US" dirty="0"/>
+          </a:p>
+        </p:txBody>
+      </p:sp>
+      <p:sp>
+        <p:nvSpPr>
+          <p:cNvPr id="4" name="Slide Number Placeholder 3"/>
+          <p:cNvSpPr>
+            <a:spLocks noGrp="1"/>
+          </p:cNvSpPr>
+          <p:nvPr>
+            <p:ph type="sldNum" sz="quarter" idx="10"/>
+          </p:nvPr>
+        </p:nvSpPr>
+        <p:spPr/>
+        <p:txBody>
+          <a:bodyPr/>
+          <a:lstStyle/>
+          <a:p>
+            <a:fld id="{3C7970E3-E969-4B5B-B387-9B817F0C226C}" type="slidenum">
+              <a:rPr lang="ko-KR" altLang="en-US" smtClean="0"/>
+              <a:pPr/>
+              <a:t>15</a:t>
+            </a:fld>
+            <a:endParaRPr lang="ko-KR" altLang="en-US"/>
+          </a:p>
+        </p:txBody>
+      </p:sp>
+    </p:spTree>
+    <p:extLst>
+      <p:ext uri="{BB962C8B-B14F-4D97-AF65-F5344CB8AC3E}">
+        <p14:creationId xmlns:p14="http://schemas.microsoft.com/office/powerpoint/2010/main" val="581392247"/>
+      </p:ext>
+    </p:extLst>
+  </p:cSld>
+  <p:clrMapOvr>
+    <a:masterClrMapping/>
+  </p:clrMapOvr>
+</p:notes>
+</file>
+
 <file path=ppt/slideLayouts/slideLayout1.xml><?xml version="1.0" encoding="utf-8"?>
 <p:sldLayout xmlns:a="http://schemas.openxmlformats.org/drawingml/2006/main" xmlns:r="http://schemas.openxmlformats.org/officeDocument/2006/relationships" xmlns:p="http://schemas.openxmlformats.org/presentationml/2006/main" preserve="1" userDrawn="1">
   <p:cSld name="제목 슬라이드">
@@ -606,7 +921,7 @@
                 <a:ea typeface="Meiryo UI" pitchFamily="34" charset="-128"/>
               </a:rPr>
               <a:pPr/>
-              <a:t>Saturday, September 3, 2016</a:t>
+              <a:t>17년 4월 15일 Saturday</a:t>
             </a:fld>
             <a:endParaRPr lang="ko-KR" altLang="en-US" dirty="0"/>
           </a:p>
@@ -620,7 +935,7 @@
   <p:timing>
     <p:tnLst>
       <p:par>
-        <p:cTn id="1" dur="indefinite" restart="never" nodeType="tmRoot"/>
+        <p:cTn xmlns:p14="http://schemas.microsoft.com/office/powerpoint/2010/main" id="1" dur="indefinite" restart="never" nodeType="tmRoot"/>
       </p:par>
     </p:tnLst>
   </p:timing>
@@ -738,7 +1053,7 @@
             <a:fld id="{33A0F7CB-10CC-4FA0-AAB7-60557755851D}" type="datetime1">
               <a:rPr lang="ko-KR" altLang="en-US" smtClean="0"/>
               <a:pPr/>
-              <a:t>2016. 9. 3.</a:t>
+              <a:t>17. 4. 15.</a:t>
             </a:fld>
             <a:endParaRPr lang="ko-KR" altLang="en-US"/>
           </a:p>
@@ -915,7 +1230,7 @@
             <a:fld id="{2072E3B2-398D-43A2-9FF0-A5DC47D85F0F}" type="datetime1">
               <a:rPr lang="ko-KR" altLang="en-US" smtClean="0"/>
               <a:pPr/>
-              <a:t>2016. 9. 3.</a:t>
+              <a:t>17. 4. 15.</a:t>
             </a:fld>
             <a:endParaRPr lang="ko-KR" altLang="en-US"/>
           </a:p>
@@ -1216,7 +1531,7 @@
   <p:timing>
     <p:tnLst>
       <p:par>
-        <p:cTn id="1" dur="indefinite" restart="never" nodeType="tmRoot"/>
+        <p:cTn xmlns:p14="http://schemas.microsoft.com/office/powerpoint/2010/main" id="1" dur="indefinite" restart="never" nodeType="tmRoot"/>
       </p:par>
     </p:tnLst>
   </p:timing>
@@ -1429,7 +1744,7 @@
             <a:fld id="{DAC76C8D-0C64-468D-9E07-BA112BE10A5A}" type="datetime1">
               <a:rPr lang="ko-KR" altLang="en-US" smtClean="0"/>
               <a:pPr/>
-              <a:t>2016. 9. 3.</a:t>
+              <a:t>17. 4. 15.</a:t>
             </a:fld>
             <a:endParaRPr lang="ko-KR" altLang="en-US"/>
           </a:p>
@@ -1719,7 +2034,7 @@
             <a:fld id="{ABCA1450-90AE-4591-9DA4-2F2C0E29B421}" type="datetime1">
               <a:rPr lang="ko-KR" altLang="en-US" smtClean="0"/>
               <a:pPr/>
-              <a:t>2016. 9. 3.</a:t>
+              <a:t>17. 4. 15.</a:t>
             </a:fld>
             <a:endParaRPr lang="ko-KR" altLang="en-US"/>
           </a:p>
@@ -1776,7 +2091,7 @@
   <p:timing>
     <p:tnLst>
       <p:par>
-        <p:cTn id="1" dur="indefinite" restart="never" nodeType="tmRoot"/>
+        <p:cTn xmlns:p14="http://schemas.microsoft.com/office/powerpoint/2010/main" id="1" dur="indefinite" restart="never" nodeType="tmRoot"/>
       </p:par>
     </p:tnLst>
   </p:timing>
@@ -2145,7 +2460,7 @@
             <a:fld id="{3170F9C2-910D-48E9-A1D4-06EE9E8CCF11}" type="datetime1">
               <a:rPr lang="ko-KR" altLang="en-US" smtClean="0"/>
               <a:pPr/>
-              <a:t>2016. 9. 3.</a:t>
+              <a:t>17. 4. 15.</a:t>
             </a:fld>
             <a:endParaRPr lang="ko-KR" altLang="en-US"/>
           </a:p>
@@ -2432,7 +2747,7 @@
             <a:fld id="{0A2BF0E3-3B49-48EE-8E65-6F6B7B05A3E6}" type="datetime1">
               <a:rPr lang="ko-KR" altLang="en-US" smtClean="0"/>
               <a:pPr/>
-              <a:t>2016. 9. 3.</a:t>
+              <a:t>17. 4. 15.</a:t>
             </a:fld>
             <a:endParaRPr lang="ko-KR" altLang="en-US"/>
           </a:p>
@@ -2706,7 +3021,7 @@
             <a:fld id="{D56EDD30-A8D5-4E8F-A388-D7F8914E7797}" type="datetime1">
               <a:rPr lang="ko-KR" altLang="en-US" smtClean="0"/>
               <a:pPr/>
-              <a:t>2016. 9. 3.</a:t>
+              <a:t>17. 4. 15.</a:t>
             </a:fld>
             <a:endParaRPr lang="ko-KR" altLang="en-US"/>
           </a:p>
@@ -2956,7 +3271,7 @@
             <a:fld id="{BA001FBA-5EDF-4611-9FD5-552C72983771}" type="datetime1">
               <a:rPr lang="ko-KR" altLang="en-US" smtClean="0"/>
               <a:pPr/>
-              <a:t>2016. 9. 3.</a:t>
+              <a:t>17. 4. 15.</a:t>
             </a:fld>
             <a:endParaRPr lang="ko-KR" altLang="en-US"/>
           </a:p>
@@ -3166,7 +3481,7 @@
             <a:fld id="{1E3DD4C6-1DC2-4462-9A2C-36CF4FD257E7}" type="datetime1">
               <a:rPr lang="ko-KR" altLang="en-US" smtClean="0"/>
               <a:pPr/>
-              <a:t>2016. 9. 3.</a:t>
+              <a:t>17. 4. 15.</a:t>
             </a:fld>
             <a:endParaRPr lang="ko-KR" altLang="en-US"/>
           </a:p>
@@ -3600,7 +3915,7 @@
   <p:timing>
     <p:tnLst>
       <p:par>
-        <p:cTn id="1" dur="indefinite" restart="never" nodeType="tmRoot"/>
+        <p:cTn xmlns:p14="http://schemas.microsoft.com/office/powerpoint/2010/main" id="1" dur="indefinite" restart="never" nodeType="tmRoot"/>
       </p:par>
     </p:tnLst>
   </p:timing>
@@ -3710,7 +4025,7 @@
   <p:timing>
     <p:tnLst>
       <p:par>
-        <p:cTn id="1" dur="indefinite" restart="never" nodeType="tmRoot"/>
+        <p:cTn xmlns:p14="http://schemas.microsoft.com/office/powerpoint/2010/main" id="1" dur="indefinite" restart="never" nodeType="tmRoot"/>
       </p:par>
     </p:tnLst>
   </p:timing>
@@ -3820,7 +4135,7 @@
   <p:timing>
     <p:tnLst>
       <p:par>
-        <p:cTn id="1" dur="indefinite" restart="never" nodeType="tmRoot"/>
+        <p:cTn xmlns:p14="http://schemas.microsoft.com/office/powerpoint/2010/main" id="1" dur="indefinite" restart="never" nodeType="tmRoot"/>
       </p:par>
     </p:tnLst>
   </p:timing>
@@ -3930,7 +4245,7 @@
   <p:timing>
     <p:tnLst>
       <p:par>
-        <p:cTn id="1" dur="indefinite" restart="never" nodeType="tmRoot"/>
+        <p:cTn xmlns:p14="http://schemas.microsoft.com/office/powerpoint/2010/main" id="1" dur="indefinite" restart="never" nodeType="tmRoot"/>
       </p:par>
     </p:tnLst>
   </p:timing>
@@ -4040,7 +4355,7 @@
   <p:timing>
     <p:tnLst>
       <p:par>
-        <p:cTn id="1" dur="indefinite" restart="never" nodeType="tmRoot"/>
+        <p:cTn xmlns:p14="http://schemas.microsoft.com/office/powerpoint/2010/main" id="1" dur="indefinite" restart="never" nodeType="tmRoot"/>
       </p:par>
     </p:tnLst>
   </p:timing>
@@ -4150,7 +4465,7 @@
   <p:timing>
     <p:tnLst>
       <p:par>
-        <p:cTn id="1" dur="indefinite" restart="never" nodeType="tmRoot"/>
+        <p:cTn xmlns:p14="http://schemas.microsoft.com/office/powerpoint/2010/main" id="1" dur="indefinite" restart="never" nodeType="tmRoot"/>
       </p:par>
     </p:tnLst>
   </p:timing>
@@ -4226,7 +4541,7 @@
           <p:nvPr/>
         </p:nvPicPr>
         <p:blipFill>
-          <a:blip r:embed="rId2">
+          <a:blip r:embed="rId3">
             <a:extLst>
               <a:ext uri="{28A0092B-C50C-407E-A947-70E740481C1C}">
                 <a14:useLocalDpi xmlns:a14="http://schemas.microsoft.com/office/drawing/2010/main" val="0"/>
@@ -4260,7 +4575,7 @@
   <p:timing>
     <p:tnLst>
       <p:par>
-        <p:cTn id="1" dur="indefinite" restart="never" nodeType="tmRoot"/>
+        <p:cTn xmlns:p14="http://schemas.microsoft.com/office/powerpoint/2010/main" id="1" dur="indefinite" restart="never" nodeType="tmRoot"/>
       </p:par>
     </p:tnLst>
   </p:timing>
@@ -4362,7 +4677,7 @@
           </a:prstGeom>
           <a:noFill/>
           <a:extLst>
-            <a:ext uri="{909E8E84-426E-40DD-AFC4-6F175D3DCCD1}">
+            <a:ext uri="{909E8E84-426E-40dd-AFC4-6F175D3DCCD1}">
               <a14:hiddenFill xmlns:a14="http://schemas.microsoft.com/office/drawing/2010/main">
                 <a:solidFill>
                   <a:srgbClr val="FFFFFF"/>
@@ -4480,7 +4795,7 @@
           </a:prstGeom>
           <a:noFill/>
           <a:extLst>
-            <a:ext uri="{909E8E84-426E-40DD-AFC4-6F175D3DCCD1}">
+            <a:ext uri="{909E8E84-426E-40dd-AFC4-6F175D3DCCD1}">
               <a14:hiddenFill xmlns:a14="http://schemas.microsoft.com/office/drawing/2010/main">
                 <a:solidFill>
                   <a:srgbClr val="FFFFFF"/>
@@ -4598,7 +4913,7 @@
           </a:prstGeom>
           <a:noFill/>
           <a:extLst>
-            <a:ext uri="{909E8E84-426E-40DD-AFC4-6F175D3DCCD1}">
+            <a:ext uri="{909E8E84-426E-40dd-AFC4-6F175D3DCCD1}">
               <a14:hiddenFill xmlns:a14="http://schemas.microsoft.com/office/drawing/2010/main">
                 <a:solidFill>
                   <a:srgbClr val="FFFFFF"/>
@@ -4928,7 +5243,7 @@
   <p:timing>
     <p:tnLst>
       <p:par>
-        <p:cTn id="1" dur="indefinite" restart="never" nodeType="tmRoot"/>
+        <p:cTn xmlns:p14="http://schemas.microsoft.com/office/powerpoint/2010/main" id="1" dur="indefinite" restart="never" nodeType="tmRoot"/>
       </p:par>
     </p:tnLst>
   </p:timing>
@@ -5038,7 +5353,7 @@
   <p:timing>
     <p:tnLst>
       <p:par>
-        <p:cTn id="1" dur="indefinite" restart="never" nodeType="tmRoot"/>
+        <p:cTn xmlns:p14="http://schemas.microsoft.com/office/powerpoint/2010/main" id="1" dur="indefinite" restart="never" nodeType="tmRoot"/>
       </p:par>
     </p:tnLst>
   </p:timing>
@@ -5148,7 +5463,7 @@
   <p:timing>
     <p:tnLst>
       <p:par>
-        <p:cTn id="1" dur="indefinite" restart="never" nodeType="tmRoot"/>
+        <p:cTn xmlns:p14="http://schemas.microsoft.com/office/powerpoint/2010/main" id="1" dur="indefinite" restart="never" nodeType="tmRoot"/>
       </p:par>
     </p:tnLst>
   </p:timing>
@@ -5258,7 +5573,7 @@
   <p:timing>
     <p:tnLst>
       <p:par>
-        <p:cTn id="1" dur="indefinite" restart="never" nodeType="tmRoot"/>
+        <p:cTn xmlns:p14="http://schemas.microsoft.com/office/powerpoint/2010/main" id="1" dur="indefinite" restart="never" nodeType="tmRoot"/>
       </p:par>
     </p:tnLst>
   </p:timing>
@@ -5334,7 +5649,7 @@
           <p:nvPr/>
         </p:nvPicPr>
         <p:blipFill>
-          <a:blip r:embed="rId2">
+          <a:blip r:embed="rId3">
             <a:extLst>
               <a:ext uri="{28A0092B-C50C-407E-A947-70E740481C1C}">
                 <a14:useLocalDpi xmlns:a14="http://schemas.microsoft.com/office/drawing/2010/main" val="0"/>
@@ -5368,7 +5683,7 @@
   <p:timing>
     <p:tnLst>
       <p:par>
-        <p:cTn id="1" dur="indefinite" restart="never" nodeType="tmRoot"/>
+        <p:cTn xmlns:p14="http://schemas.microsoft.com/office/powerpoint/2010/main" id="1" dur="indefinite" restart="never" nodeType="tmRoot"/>
       </p:par>
     </p:tnLst>
   </p:timing>
@@ -5478,7 +5793,7 @@
   <p:timing>
     <p:tnLst>
       <p:par>
-        <p:cTn id="1" dur="indefinite" restart="never" nodeType="tmRoot"/>
+        <p:cTn xmlns:p14="http://schemas.microsoft.com/office/powerpoint/2010/main" id="1" dur="indefinite" restart="never" nodeType="tmRoot"/>
       </p:par>
     </p:tnLst>
   </p:timing>
